--- a/template.pptx
+++ b/template.pptx
@@ -11,6 +11,7 @@
     <p:sldId id="260" r:id="rId5"/>
     <p:sldId id="259" r:id="rId6"/>
     <p:sldId id="261" r:id="rId7"/>
+    <p:sldId id="262" r:id="rId8"/>
   </p:sldIdLst>
   <p:sldSz cx="12192000" cy="6858000"/>
   <p:notesSz cx="6858000" cy="9144000"/>
@@ -109,6 +110,11 @@
       </a:defRPr>
     </a:lvl9pPr>
   </p:defaultTextStyle>
+  <p:extLst>
+    <p:ext uri="{EFAFB233-063F-42B5-8137-9DF3F51BA10A}">
+      <p15:sldGuideLst xmlns:p15="http://schemas.microsoft.com/office/powerpoint/2012/main"/>
+    </p:ext>
+  </p:extLst>
 </p:presentation>
 </file>
 
@@ -243,7 +249,7 @@
           <a:p>
             <a:fld id="{D0FBDC95-25C1-4807-8E3E-D1F49E46575D}" type="datetimeFigureOut">
               <a:rPr lang="en-US" smtClean="0"/>
-              <a:t>1/2/2021</a:t>
+              <a:t>1/9/2021</a:t>
             </a:fld>
             <a:endParaRPr lang="en-US"/>
           </a:p>
@@ -413,7 +419,7 @@
           <a:p>
             <a:fld id="{D0FBDC95-25C1-4807-8E3E-D1F49E46575D}" type="datetimeFigureOut">
               <a:rPr lang="en-US" smtClean="0"/>
-              <a:t>1/2/2021</a:t>
+              <a:t>1/9/2021</a:t>
             </a:fld>
             <a:endParaRPr lang="en-US"/>
           </a:p>
@@ -593,7 +599,7 @@
           <a:p>
             <a:fld id="{D0FBDC95-25C1-4807-8E3E-D1F49E46575D}" type="datetimeFigureOut">
               <a:rPr lang="en-US" smtClean="0"/>
-              <a:t>1/2/2021</a:t>
+              <a:t>1/9/2021</a:t>
             </a:fld>
             <a:endParaRPr lang="en-US"/>
           </a:p>
@@ -763,7 +769,7 @@
           <a:p>
             <a:fld id="{D0FBDC95-25C1-4807-8E3E-D1F49E46575D}" type="datetimeFigureOut">
               <a:rPr lang="en-US" smtClean="0"/>
-              <a:t>1/2/2021</a:t>
+              <a:t>1/9/2021</a:t>
             </a:fld>
             <a:endParaRPr lang="en-US"/>
           </a:p>
@@ -1009,7 +1015,7 @@
           <a:p>
             <a:fld id="{D0FBDC95-25C1-4807-8E3E-D1F49E46575D}" type="datetimeFigureOut">
               <a:rPr lang="en-US" smtClean="0"/>
-              <a:t>1/2/2021</a:t>
+              <a:t>1/9/2021</a:t>
             </a:fld>
             <a:endParaRPr lang="en-US"/>
           </a:p>
@@ -1241,7 +1247,7 @@
           <a:p>
             <a:fld id="{D0FBDC95-25C1-4807-8E3E-D1F49E46575D}" type="datetimeFigureOut">
               <a:rPr lang="en-US" smtClean="0"/>
-              <a:t>1/2/2021</a:t>
+              <a:t>1/9/2021</a:t>
             </a:fld>
             <a:endParaRPr lang="en-US"/>
           </a:p>
@@ -1608,7 +1614,7 @@
           <a:p>
             <a:fld id="{D0FBDC95-25C1-4807-8E3E-D1F49E46575D}" type="datetimeFigureOut">
               <a:rPr lang="en-US" smtClean="0"/>
-              <a:t>1/2/2021</a:t>
+              <a:t>1/9/2021</a:t>
             </a:fld>
             <a:endParaRPr lang="en-US"/>
           </a:p>
@@ -1726,7 +1732,7 @@
           <a:p>
             <a:fld id="{D0FBDC95-25C1-4807-8E3E-D1F49E46575D}" type="datetimeFigureOut">
               <a:rPr lang="en-US" smtClean="0"/>
-              <a:t>1/2/2021</a:t>
+              <a:t>1/9/2021</a:t>
             </a:fld>
             <a:endParaRPr lang="en-US"/>
           </a:p>
@@ -1821,7 +1827,7 @@
           <a:p>
             <a:fld id="{D0FBDC95-25C1-4807-8E3E-D1F49E46575D}" type="datetimeFigureOut">
               <a:rPr lang="en-US" smtClean="0"/>
-              <a:t>1/2/2021</a:t>
+              <a:t>1/9/2021</a:t>
             </a:fld>
             <a:endParaRPr lang="en-US"/>
           </a:p>
@@ -2098,7 +2104,7 @@
           <a:p>
             <a:fld id="{D0FBDC95-25C1-4807-8E3E-D1F49E46575D}" type="datetimeFigureOut">
               <a:rPr lang="en-US" smtClean="0"/>
-              <a:t>1/2/2021</a:t>
+              <a:t>1/9/2021</a:t>
             </a:fld>
             <a:endParaRPr lang="en-US"/>
           </a:p>
@@ -2351,7 +2357,7 @@
           <a:p>
             <a:fld id="{D0FBDC95-25C1-4807-8E3E-D1F49E46575D}" type="datetimeFigureOut">
               <a:rPr lang="en-US" smtClean="0"/>
-              <a:t>1/2/2021</a:t>
+              <a:t>1/9/2021</a:t>
             </a:fld>
             <a:endParaRPr lang="en-US"/>
           </a:p>
@@ -2564,7 +2570,7 @@
           <a:p>
             <a:fld id="{D0FBDC95-25C1-4807-8E3E-D1F49E46575D}" type="datetimeFigureOut">
               <a:rPr lang="en-US" smtClean="0"/>
-              <a:t>1/2/2021</a:t>
+              <a:t>1/9/2021</a:t>
             </a:fld>
             <a:endParaRPr lang="en-US"/>
           </a:p>
@@ -3798,15 +3804,7 @@
             <a:pPr algn="ctr"/>
             <a:r>
               <a:rPr lang="en-US" sz="1100" dirty="0" smtClean="0"/>
-              <a:t>Send </a:t>
-            </a:r>
-            <a:r>
-              <a:rPr lang="en-US" sz="1100" dirty="0" smtClean="0"/>
-              <a:t>temporarily</a:t>
-            </a:r>
-            <a:r>
-              <a:rPr lang="en-US" sz="1100" dirty="0" smtClean="0"/>
-              <a:t> key request</a:t>
+              <a:t>Send temporarily key request</a:t>
             </a:r>
             <a:endParaRPr lang="en-US" sz="1100" dirty="0"/>
           </a:p>
@@ -3899,15 +3897,7 @@
             <a:pPr algn="ctr"/>
             <a:r>
               <a:rPr lang="en-US" sz="1100" dirty="0" smtClean="0"/>
-              <a:t>Send positive </a:t>
-            </a:r>
-            <a:r>
-              <a:rPr lang="en-US" sz="1100" dirty="0" smtClean="0"/>
-              <a:t>encrypted</a:t>
-            </a:r>
-            <a:r>
-              <a:rPr lang="en-US" sz="1100" dirty="0" smtClean="0"/>
-              <a:t> log in response</a:t>
+              <a:t>Send positive encrypted log in response</a:t>
             </a:r>
             <a:endParaRPr lang="en-US" sz="1100" dirty="0"/>
           </a:p>
@@ -4146,15 +4136,7 @@
             <a:pPr algn="ctr"/>
             <a:r>
               <a:rPr lang="en-US" sz="1100" dirty="0" smtClean="0"/>
-              <a:t>Encrypt the log in request with </a:t>
-            </a:r>
-            <a:r>
-              <a:rPr lang="en-US" sz="1100" dirty="0" smtClean="0"/>
-              <a:t>temporarily</a:t>
-            </a:r>
-            <a:r>
-              <a:rPr lang="en-US" sz="1100" dirty="0" smtClean="0"/>
-              <a:t> key</a:t>
+              <a:t>Encrypt the log in request with temporarily key</a:t>
             </a:r>
             <a:endParaRPr lang="en-US" sz="1100" dirty="0"/>
           </a:p>
@@ -4185,15 +4167,7 @@
             <a:pPr algn="ctr"/>
             <a:r>
               <a:rPr lang="en-US" sz="1100" dirty="0" smtClean="0"/>
-              <a:t>Decrypt the request with </a:t>
-            </a:r>
-            <a:r>
-              <a:rPr lang="en-US" sz="1100" dirty="0" smtClean="0"/>
-              <a:t>temporarily</a:t>
-            </a:r>
-            <a:r>
-              <a:rPr lang="en-US" sz="1100" dirty="0" smtClean="0"/>
-              <a:t> key</a:t>
+              <a:t>Decrypt the request with temporarily key</a:t>
             </a:r>
             <a:endParaRPr lang="en-US" sz="1100" dirty="0"/>
           </a:p>
@@ -4974,15 +4948,7 @@
             <a:pPr algn="ctr"/>
             <a:r>
               <a:rPr lang="en-US" sz="1100" dirty="0" smtClean="0"/>
-              <a:t>Send positive </a:t>
-            </a:r>
-            <a:r>
-              <a:rPr lang="en-US" sz="1100" dirty="0" smtClean="0"/>
-              <a:t>encrypted</a:t>
-            </a:r>
-            <a:r>
-              <a:rPr lang="en-US" sz="1100" dirty="0" smtClean="0"/>
-              <a:t> response</a:t>
+              <a:t>Send positive encrypted response</a:t>
             </a:r>
             <a:endParaRPr lang="en-US" sz="1100" dirty="0"/>
           </a:p>
@@ -5633,15 +5599,7 @@
             <a:pPr algn="ctr"/>
             <a:r>
               <a:rPr lang="en-US" sz="1100" dirty="0" smtClean="0"/>
-              <a:t>Encrypt the request with </a:t>
-            </a:r>
-            <a:r>
-              <a:rPr lang="en-US" sz="1100" dirty="0" smtClean="0"/>
-              <a:t>long term</a:t>
-            </a:r>
-            <a:r>
-              <a:rPr lang="en-US" sz="1100" dirty="0" smtClean="0"/>
-              <a:t> key</a:t>
+              <a:t>Encrypt the request with long term key</a:t>
             </a:r>
             <a:endParaRPr lang="en-US" sz="1100" dirty="0"/>
           </a:p>
@@ -5969,15 +5927,7 @@
             <a:pPr algn="ctr"/>
             <a:r>
               <a:rPr lang="en-US" sz="1100" dirty="0" smtClean="0"/>
-              <a:t>Send positive </a:t>
-            </a:r>
-            <a:r>
-              <a:rPr lang="en-US" sz="1100" dirty="0" smtClean="0"/>
-              <a:t>encrypted</a:t>
-            </a:r>
-            <a:r>
-              <a:rPr lang="en-US" sz="1100" dirty="0" smtClean="0"/>
-              <a:t> response</a:t>
+              <a:t>Send positive encrypted response</a:t>
             </a:r>
             <a:endParaRPr lang="en-US" sz="1100" dirty="0"/>
           </a:p>
@@ -6595,15 +6545,7 @@
             <a:pPr algn="ctr"/>
             <a:r>
               <a:rPr lang="en-US" sz="1100" dirty="0" smtClean="0"/>
-              <a:t>Encrypt the log out request with </a:t>
-            </a:r>
-            <a:r>
-              <a:rPr lang="en-US" sz="1100" dirty="0" smtClean="0"/>
-              <a:t>long term</a:t>
-            </a:r>
-            <a:r>
-              <a:rPr lang="en-US" sz="1100" dirty="0" smtClean="0"/>
-              <a:t> key</a:t>
+              <a:t>Encrypt the log out request with long term key</a:t>
             </a:r>
             <a:endParaRPr lang="en-US" sz="1100" dirty="0"/>
           </a:p>
@@ -7559,6 +7501,1713 @@
     <p:extLst>
       <p:ext uri="{BB962C8B-B14F-4D97-AF65-F5344CB8AC3E}">
         <p14:creationId xmlns:p14="http://schemas.microsoft.com/office/powerpoint/2010/main" val="1376332687"/>
+      </p:ext>
+    </p:extLst>
+  </p:cSld>
+  <p:clrMapOvr>
+    <a:masterClrMapping/>
+  </p:clrMapOvr>
+</p:sld>
+</file>
+
+<file path=ppt/slides/slide7.xml><?xml version="1.0" encoding="utf-8"?>
+<p:sld xmlns:a="http://schemas.openxmlformats.org/drawingml/2006/main" xmlns:r="http://schemas.openxmlformats.org/officeDocument/2006/relationships" xmlns:p="http://schemas.openxmlformats.org/presentationml/2006/main">
+  <p:cSld>
+    <p:spTree>
+      <p:nvGrpSpPr>
+        <p:cNvPr id="1" name=""/>
+        <p:cNvGrpSpPr/>
+        <p:nvPr/>
+      </p:nvGrpSpPr>
+      <p:grpSpPr>
+        <a:xfrm>
+          <a:off x="0" y="0"/>
+          <a:ext cx="0" cy="0"/>
+          <a:chOff x="0" y="0"/>
+          <a:chExt cx="0" cy="0"/>
+        </a:xfrm>
+      </p:grpSpPr>
+      <p:sp>
+        <p:nvSpPr>
+          <p:cNvPr id="4" name="Oval 3"/>
+          <p:cNvSpPr/>
+          <p:nvPr/>
+        </p:nvSpPr>
+        <p:spPr>
+          <a:xfrm>
+            <a:off x="3577587" y="477378"/>
+            <a:ext cx="1672937" cy="898868"/>
+          </a:xfrm>
+          <a:prstGeom prst="ellipse">
+            <a:avLst/>
+          </a:prstGeom>
+        </p:spPr>
+        <p:style>
+          <a:lnRef idx="2">
+            <a:schemeClr val="accent1">
+              <a:shade val="50000"/>
+            </a:schemeClr>
+          </a:lnRef>
+          <a:fillRef idx="1">
+            <a:schemeClr val="accent1"/>
+          </a:fillRef>
+          <a:effectRef idx="0">
+            <a:schemeClr val="accent1"/>
+          </a:effectRef>
+          <a:fontRef idx="minor">
+            <a:schemeClr val="lt1"/>
+          </a:fontRef>
+        </p:style>
+        <p:txBody>
+          <a:bodyPr rtlCol="0" anchor="ctr"/>
+          <a:lstStyle/>
+          <a:p>
+            <a:pPr algn="ctr"/>
+            <a:r>
+              <a:rPr lang="en-US" dirty="0" smtClean="0"/>
+              <a:t>Waiting for driver registered</a:t>
+            </a:r>
+            <a:endParaRPr lang="en-US" dirty="0"/>
+          </a:p>
+        </p:txBody>
+      </p:sp>
+      <p:cxnSp>
+        <p:nvCxnSpPr>
+          <p:cNvPr id="7" name="Straight Arrow Connector 6"/>
+          <p:cNvCxnSpPr>
+            <a:stCxn id="4" idx="4"/>
+            <a:endCxn id="82" idx="0"/>
+          </p:cNvCxnSpPr>
+          <p:nvPr/>
+        </p:nvCxnSpPr>
+        <p:spPr>
+          <a:xfrm>
+            <a:off x="4414056" y="1376246"/>
+            <a:ext cx="1" cy="528582"/>
+          </a:xfrm>
+          <a:prstGeom prst="straightConnector1">
+            <a:avLst/>
+          </a:prstGeom>
+          <a:ln w="38100">
+            <a:tailEnd type="triangle"/>
+          </a:ln>
+        </p:spPr>
+        <p:style>
+          <a:lnRef idx="1">
+            <a:schemeClr val="accent1"/>
+          </a:lnRef>
+          <a:fillRef idx="0">
+            <a:schemeClr val="accent1"/>
+          </a:fillRef>
+          <a:effectRef idx="0">
+            <a:schemeClr val="accent1"/>
+          </a:effectRef>
+          <a:fontRef idx="minor">
+            <a:schemeClr val="tx1"/>
+          </a:fontRef>
+        </p:style>
+      </p:cxnSp>
+      <p:sp>
+        <p:nvSpPr>
+          <p:cNvPr id="11" name="Oval 10"/>
+          <p:cNvSpPr/>
+          <p:nvPr/>
+        </p:nvSpPr>
+        <p:spPr>
+          <a:xfrm>
+            <a:off x="3773976" y="2934392"/>
+            <a:ext cx="1280162" cy="990734"/>
+          </a:xfrm>
+          <a:prstGeom prst="ellipse">
+            <a:avLst/>
+          </a:prstGeom>
+        </p:spPr>
+        <p:style>
+          <a:lnRef idx="2">
+            <a:schemeClr val="accent1">
+              <a:shade val="50000"/>
+            </a:schemeClr>
+          </a:lnRef>
+          <a:fillRef idx="1">
+            <a:schemeClr val="accent1"/>
+          </a:fillRef>
+          <a:effectRef idx="0">
+            <a:schemeClr val="accent1"/>
+          </a:effectRef>
+          <a:fontRef idx="minor">
+            <a:schemeClr val="lt1"/>
+          </a:fontRef>
+        </p:style>
+        <p:txBody>
+          <a:bodyPr rtlCol="0" anchor="ctr"/>
+          <a:lstStyle/>
+          <a:p>
+            <a:pPr algn="ctr"/>
+            <a:r>
+              <a:rPr lang="en-US" dirty="0" smtClean="0"/>
+              <a:t>Waiting for GPS event</a:t>
+            </a:r>
+            <a:endParaRPr lang="en-US" dirty="0"/>
+          </a:p>
+        </p:txBody>
+      </p:sp>
+      <p:cxnSp>
+        <p:nvCxnSpPr>
+          <p:cNvPr id="13" name="Curved Connector 12"/>
+          <p:cNvCxnSpPr>
+            <a:stCxn id="11" idx="6"/>
+            <a:endCxn id="11" idx="7"/>
+          </p:cNvCxnSpPr>
+          <p:nvPr/>
+        </p:nvCxnSpPr>
+        <p:spPr>
+          <a:xfrm flipH="1" flipV="1">
+            <a:off x="4866663" y="3079482"/>
+            <a:ext cx="187475" cy="350277"/>
+          </a:xfrm>
+          <a:prstGeom prst="curvedConnector4">
+            <a:avLst>
+              <a:gd name="adj1" fmla="val -197315"/>
+              <a:gd name="adj2" fmla="val 152101"/>
+            </a:avLst>
+          </a:prstGeom>
+          <a:ln w="38100">
+            <a:tailEnd type="triangle"/>
+          </a:ln>
+        </p:spPr>
+        <p:style>
+          <a:lnRef idx="1">
+            <a:schemeClr val="accent1"/>
+          </a:lnRef>
+          <a:fillRef idx="0">
+            <a:schemeClr val="accent1"/>
+          </a:fillRef>
+          <a:effectRef idx="0">
+            <a:schemeClr val="accent1"/>
+          </a:effectRef>
+          <a:fontRef idx="minor">
+            <a:schemeClr val="tx1"/>
+          </a:fontRef>
+        </p:style>
+      </p:cxnSp>
+      <p:cxnSp>
+        <p:nvCxnSpPr>
+          <p:cNvPr id="29" name="Straight Arrow Connector 28"/>
+          <p:cNvCxnSpPr>
+            <a:stCxn id="82" idx="2"/>
+            <a:endCxn id="11" idx="0"/>
+          </p:cNvCxnSpPr>
+          <p:nvPr/>
+        </p:nvCxnSpPr>
+        <p:spPr>
+          <a:xfrm>
+            <a:off x="4414057" y="2567250"/>
+            <a:ext cx="0" cy="367142"/>
+          </a:xfrm>
+          <a:prstGeom prst="straightConnector1">
+            <a:avLst/>
+          </a:prstGeom>
+          <a:ln w="38100">
+            <a:tailEnd type="triangle"/>
+          </a:ln>
+        </p:spPr>
+        <p:style>
+          <a:lnRef idx="1">
+            <a:schemeClr val="accent1"/>
+          </a:lnRef>
+          <a:fillRef idx="0">
+            <a:schemeClr val="accent1"/>
+          </a:fillRef>
+          <a:effectRef idx="0">
+            <a:schemeClr val="accent1"/>
+          </a:effectRef>
+          <a:fontRef idx="minor">
+            <a:schemeClr val="tx1"/>
+          </a:fontRef>
+        </p:style>
+      </p:cxnSp>
+      <p:cxnSp>
+        <p:nvCxnSpPr>
+          <p:cNvPr id="52" name="Straight Arrow Connector 51"/>
+          <p:cNvCxnSpPr>
+            <a:stCxn id="11" idx="4"/>
+            <a:endCxn id="115" idx="0"/>
+          </p:cNvCxnSpPr>
+          <p:nvPr/>
+        </p:nvCxnSpPr>
+        <p:spPr>
+          <a:xfrm>
+            <a:off x="4414057" y="3925126"/>
+            <a:ext cx="0" cy="555244"/>
+          </a:xfrm>
+          <a:prstGeom prst="straightConnector1">
+            <a:avLst/>
+          </a:prstGeom>
+          <a:ln w="38100">
+            <a:tailEnd type="triangle"/>
+          </a:ln>
+        </p:spPr>
+        <p:style>
+          <a:lnRef idx="1">
+            <a:schemeClr val="accent1"/>
+          </a:lnRef>
+          <a:fillRef idx="0">
+            <a:schemeClr val="accent1"/>
+          </a:fillRef>
+          <a:effectRef idx="0">
+            <a:schemeClr val="accent1"/>
+          </a:effectRef>
+          <a:fontRef idx="minor">
+            <a:schemeClr val="tx1"/>
+          </a:fontRef>
+        </p:style>
+      </p:cxnSp>
+      <p:sp>
+        <p:nvSpPr>
+          <p:cNvPr id="77" name="Diamond 76"/>
+          <p:cNvSpPr/>
+          <p:nvPr/>
+        </p:nvSpPr>
+        <p:spPr>
+          <a:xfrm>
+            <a:off x="3233625" y="5411226"/>
+            <a:ext cx="2360864" cy="839946"/>
+          </a:xfrm>
+          <a:prstGeom prst="diamond">
+            <a:avLst/>
+          </a:prstGeom>
+        </p:spPr>
+        <p:style>
+          <a:lnRef idx="2">
+            <a:schemeClr val="accent1">
+              <a:shade val="50000"/>
+            </a:schemeClr>
+          </a:lnRef>
+          <a:fillRef idx="1">
+            <a:schemeClr val="accent1"/>
+          </a:fillRef>
+          <a:effectRef idx="0">
+            <a:schemeClr val="accent1"/>
+          </a:effectRef>
+          <a:fontRef idx="minor">
+            <a:schemeClr val="lt1"/>
+          </a:fontRef>
+        </p:style>
+        <p:txBody>
+          <a:bodyPr rtlCol="0" anchor="ctr"/>
+          <a:lstStyle/>
+          <a:p>
+            <a:pPr algn="ctr"/>
+            <a:r>
+              <a:rPr lang="en-US" dirty="0" smtClean="0"/>
+              <a:t>Name check</a:t>
+            </a:r>
+            <a:endParaRPr lang="en-US" dirty="0"/>
+          </a:p>
+        </p:txBody>
+      </p:sp>
+      <p:sp>
+        <p:nvSpPr>
+          <p:cNvPr id="82" name="Rounded Rectangle 81"/>
+          <p:cNvSpPr/>
+          <p:nvPr/>
+        </p:nvSpPr>
+        <p:spPr>
+          <a:xfrm>
+            <a:off x="3420684" y="1904828"/>
+            <a:ext cx="1986746" cy="662422"/>
+          </a:xfrm>
+          <a:prstGeom prst="roundRect">
+            <a:avLst/>
+          </a:prstGeom>
+        </p:spPr>
+        <p:style>
+          <a:lnRef idx="2">
+            <a:schemeClr val="accent1">
+              <a:shade val="50000"/>
+            </a:schemeClr>
+          </a:lnRef>
+          <a:fillRef idx="1">
+            <a:schemeClr val="accent1"/>
+          </a:fillRef>
+          <a:effectRef idx="0">
+            <a:schemeClr val="accent1"/>
+          </a:effectRef>
+          <a:fontRef idx="minor">
+            <a:schemeClr val="lt1"/>
+          </a:fontRef>
+        </p:style>
+        <p:txBody>
+          <a:bodyPr rtlCol="0" anchor="ctr"/>
+          <a:lstStyle/>
+          <a:p>
+            <a:pPr algn="ctr"/>
+            <a:r>
+              <a:rPr lang="en-US"/>
+              <a:t>Set up GPS connection</a:t>
+            </a:r>
+            <a:endParaRPr lang="en-US" dirty="0"/>
+          </a:p>
+        </p:txBody>
+      </p:sp>
+      <p:cxnSp>
+        <p:nvCxnSpPr>
+          <p:cNvPr id="93" name="Elbow Connector 92"/>
+          <p:cNvCxnSpPr>
+            <a:stCxn id="77" idx="3"/>
+            <a:endCxn id="167" idx="2"/>
+          </p:cNvCxnSpPr>
+          <p:nvPr/>
+        </p:nvCxnSpPr>
+        <p:spPr>
+          <a:xfrm flipV="1">
+            <a:off x="5594489" y="5040001"/>
+            <a:ext cx="1258637" cy="791198"/>
+          </a:xfrm>
+          <a:prstGeom prst="bentConnector2">
+            <a:avLst/>
+          </a:prstGeom>
+          <a:ln w="38100">
+            <a:tailEnd type="triangle"/>
+          </a:ln>
+        </p:spPr>
+        <p:style>
+          <a:lnRef idx="1">
+            <a:schemeClr val="accent1"/>
+          </a:lnRef>
+          <a:fillRef idx="0">
+            <a:schemeClr val="accent1"/>
+          </a:fillRef>
+          <a:effectRef idx="0">
+            <a:schemeClr val="accent1"/>
+          </a:effectRef>
+          <a:fontRef idx="minor">
+            <a:schemeClr val="tx1"/>
+          </a:fontRef>
+        </p:style>
+      </p:cxnSp>
+      <p:sp>
+        <p:nvSpPr>
+          <p:cNvPr id="115" name="Rounded Rectangle 114"/>
+          <p:cNvSpPr/>
+          <p:nvPr/>
+        </p:nvSpPr>
+        <p:spPr>
+          <a:xfrm>
+            <a:off x="3663833" y="4480370"/>
+            <a:ext cx="1500448" cy="534199"/>
+          </a:xfrm>
+          <a:prstGeom prst="roundRect">
+            <a:avLst/>
+          </a:prstGeom>
+        </p:spPr>
+        <p:style>
+          <a:lnRef idx="2">
+            <a:schemeClr val="accent1">
+              <a:shade val="50000"/>
+            </a:schemeClr>
+          </a:lnRef>
+          <a:fillRef idx="1">
+            <a:schemeClr val="accent1"/>
+          </a:fillRef>
+          <a:effectRef idx="0">
+            <a:schemeClr val="accent1"/>
+          </a:effectRef>
+          <a:fontRef idx="minor">
+            <a:schemeClr val="lt1"/>
+          </a:fontRef>
+        </p:style>
+        <p:txBody>
+          <a:bodyPr rtlCol="0" anchor="ctr"/>
+          <a:lstStyle/>
+          <a:p>
+            <a:pPr algn="ctr"/>
+            <a:r>
+              <a:rPr lang="en-US" dirty="0" smtClean="0"/>
+              <a:t>Convert to street name</a:t>
+            </a:r>
+            <a:endParaRPr lang="en-US" dirty="0"/>
+          </a:p>
+        </p:txBody>
+      </p:sp>
+      <p:cxnSp>
+        <p:nvCxnSpPr>
+          <p:cNvPr id="127" name="Straight Arrow Connector 126"/>
+          <p:cNvCxnSpPr>
+            <a:stCxn id="115" idx="2"/>
+            <a:endCxn id="77" idx="0"/>
+          </p:cNvCxnSpPr>
+          <p:nvPr/>
+        </p:nvCxnSpPr>
+        <p:spPr>
+          <a:xfrm>
+            <a:off x="4414057" y="5014569"/>
+            <a:ext cx="0" cy="396657"/>
+          </a:xfrm>
+          <a:prstGeom prst="straightConnector1">
+            <a:avLst/>
+          </a:prstGeom>
+          <a:ln w="38100">
+            <a:tailEnd type="triangle"/>
+          </a:ln>
+        </p:spPr>
+        <p:style>
+          <a:lnRef idx="1">
+            <a:schemeClr val="accent1"/>
+          </a:lnRef>
+          <a:fillRef idx="0">
+            <a:schemeClr val="accent1"/>
+          </a:fillRef>
+          <a:effectRef idx="0">
+            <a:schemeClr val="accent1"/>
+          </a:effectRef>
+          <a:fontRef idx="minor">
+            <a:schemeClr val="tx1"/>
+          </a:fontRef>
+        </p:style>
+      </p:cxnSp>
+      <p:cxnSp>
+        <p:nvCxnSpPr>
+          <p:cNvPr id="132" name="Curved Connector 131"/>
+          <p:cNvCxnSpPr>
+            <a:stCxn id="4" idx="6"/>
+            <a:endCxn id="4" idx="7"/>
+          </p:cNvCxnSpPr>
+          <p:nvPr/>
+        </p:nvCxnSpPr>
+        <p:spPr>
+          <a:xfrm flipH="1" flipV="1">
+            <a:off x="5005528" y="609014"/>
+            <a:ext cx="244996" cy="317798"/>
+          </a:xfrm>
+          <a:prstGeom prst="curvedConnector4">
+            <a:avLst>
+              <a:gd name="adj1" fmla="val -93308"/>
+              <a:gd name="adj2" fmla="val 171503"/>
+            </a:avLst>
+          </a:prstGeom>
+          <a:ln w="38100">
+            <a:tailEnd type="triangle"/>
+          </a:ln>
+        </p:spPr>
+        <p:style>
+          <a:lnRef idx="1">
+            <a:schemeClr val="accent1"/>
+          </a:lnRef>
+          <a:fillRef idx="0">
+            <a:schemeClr val="accent1"/>
+          </a:fillRef>
+          <a:effectRef idx="0">
+            <a:schemeClr val="accent1"/>
+          </a:effectRef>
+          <a:fontRef idx="minor">
+            <a:schemeClr val="tx1"/>
+          </a:fontRef>
+        </p:style>
+      </p:cxnSp>
+      <p:sp>
+        <p:nvSpPr>
+          <p:cNvPr id="161" name="Rounded Rectangle 160"/>
+          <p:cNvSpPr/>
+          <p:nvPr/>
+        </p:nvSpPr>
+        <p:spPr>
+          <a:xfrm>
+            <a:off x="7183612" y="5943600"/>
+            <a:ext cx="1901375" cy="773084"/>
+          </a:xfrm>
+          <a:prstGeom prst="roundRect">
+            <a:avLst/>
+          </a:prstGeom>
+        </p:spPr>
+        <p:style>
+          <a:lnRef idx="2">
+            <a:schemeClr val="accent1">
+              <a:shade val="50000"/>
+            </a:schemeClr>
+          </a:lnRef>
+          <a:fillRef idx="1">
+            <a:schemeClr val="accent1"/>
+          </a:fillRef>
+          <a:effectRef idx="0">
+            <a:schemeClr val="accent1"/>
+          </a:effectRef>
+          <a:fontRef idx="minor">
+            <a:schemeClr val="lt1"/>
+          </a:fontRef>
+        </p:style>
+        <p:txBody>
+          <a:bodyPr rtlCol="0" anchor="ctr"/>
+          <a:lstStyle/>
+          <a:p>
+            <a:pPr algn="ctr"/>
+            <a:r>
+              <a:rPr lang="en-US" dirty="0" smtClean="0"/>
+              <a:t>Update 2</a:t>
+            </a:r>
+            <a:r>
+              <a:rPr lang="en-US" baseline="30000" dirty="0" smtClean="0"/>
+              <a:t>nd</a:t>
+            </a:r>
+            <a:r>
+              <a:rPr lang="en-US" dirty="0" smtClean="0"/>
+              <a:t> coordinate as last position </a:t>
+            </a:r>
+            <a:endParaRPr lang="en-US" dirty="0"/>
+          </a:p>
+        </p:txBody>
+      </p:sp>
+      <p:sp>
+        <p:nvSpPr>
+          <p:cNvPr id="167" name="Rounded Rectangle 166"/>
+          <p:cNvSpPr/>
+          <p:nvPr/>
+        </p:nvSpPr>
+        <p:spPr>
+          <a:xfrm>
+            <a:off x="6041277" y="4466474"/>
+            <a:ext cx="1623697" cy="573527"/>
+          </a:xfrm>
+          <a:prstGeom prst="roundRect">
+            <a:avLst/>
+          </a:prstGeom>
+        </p:spPr>
+        <p:style>
+          <a:lnRef idx="2">
+            <a:schemeClr val="accent1">
+              <a:shade val="50000"/>
+            </a:schemeClr>
+          </a:lnRef>
+          <a:fillRef idx="1">
+            <a:schemeClr val="accent1"/>
+          </a:fillRef>
+          <a:effectRef idx="0">
+            <a:schemeClr val="accent1"/>
+          </a:effectRef>
+          <a:fontRef idx="minor">
+            <a:schemeClr val="lt1"/>
+          </a:fontRef>
+        </p:style>
+        <p:txBody>
+          <a:bodyPr rtlCol="0" anchor="ctr"/>
+          <a:lstStyle/>
+          <a:p>
+            <a:pPr algn="ctr"/>
+            <a:r>
+              <a:rPr lang="en-US" dirty="0" smtClean="0"/>
+              <a:t>Update 1</a:t>
+            </a:r>
+            <a:r>
+              <a:rPr lang="en-US" baseline="30000" dirty="0" smtClean="0"/>
+              <a:t>st</a:t>
+            </a:r>
+            <a:r>
+              <a:rPr lang="en-US" dirty="0" smtClean="0"/>
+              <a:t> coordinate</a:t>
+            </a:r>
+            <a:endParaRPr lang="en-US" dirty="0"/>
+          </a:p>
+        </p:txBody>
+      </p:sp>
+      <p:cxnSp>
+        <p:nvCxnSpPr>
+          <p:cNvPr id="170" name="Elbow Connector 169"/>
+          <p:cNvCxnSpPr>
+            <a:stCxn id="167" idx="0"/>
+            <a:endCxn id="11" idx="5"/>
+          </p:cNvCxnSpPr>
+          <p:nvPr/>
+        </p:nvCxnSpPr>
+        <p:spPr>
+          <a:xfrm rot="16200000" flipV="1">
+            <a:off x="5516676" y="3130023"/>
+            <a:ext cx="686438" cy="1986463"/>
+          </a:xfrm>
+          <a:prstGeom prst="bentConnector3">
+            <a:avLst>
+              <a:gd name="adj1" fmla="val 50000"/>
+            </a:avLst>
+          </a:prstGeom>
+          <a:ln w="38100">
+            <a:tailEnd type="triangle"/>
+          </a:ln>
+        </p:spPr>
+        <p:style>
+          <a:lnRef idx="1">
+            <a:schemeClr val="accent1"/>
+          </a:lnRef>
+          <a:fillRef idx="0">
+            <a:schemeClr val="accent1"/>
+          </a:fillRef>
+          <a:effectRef idx="0">
+            <a:schemeClr val="accent1"/>
+          </a:effectRef>
+          <a:fontRef idx="minor">
+            <a:schemeClr val="tx1"/>
+          </a:fontRef>
+        </p:style>
+      </p:cxnSp>
+      <p:sp>
+        <p:nvSpPr>
+          <p:cNvPr id="195" name="Rounded Rectangle 194"/>
+          <p:cNvSpPr/>
+          <p:nvPr/>
+        </p:nvSpPr>
+        <p:spPr>
+          <a:xfrm>
+            <a:off x="1913364" y="4460705"/>
+            <a:ext cx="1623697" cy="573527"/>
+          </a:xfrm>
+          <a:prstGeom prst="roundRect">
+            <a:avLst/>
+          </a:prstGeom>
+        </p:spPr>
+        <p:style>
+          <a:lnRef idx="2">
+            <a:schemeClr val="accent1">
+              <a:shade val="50000"/>
+            </a:schemeClr>
+          </a:lnRef>
+          <a:fillRef idx="1">
+            <a:schemeClr val="accent1"/>
+          </a:fillRef>
+          <a:effectRef idx="0">
+            <a:schemeClr val="accent1"/>
+          </a:effectRef>
+          <a:fontRef idx="minor">
+            <a:schemeClr val="lt1"/>
+          </a:fontRef>
+        </p:style>
+        <p:txBody>
+          <a:bodyPr rtlCol="0" anchor="ctr"/>
+          <a:lstStyle/>
+          <a:p>
+            <a:pPr algn="ctr"/>
+            <a:r>
+              <a:rPr lang="en-US" dirty="0" smtClean="0"/>
+              <a:t>Update last GPS position</a:t>
+            </a:r>
+            <a:endParaRPr lang="en-US" dirty="0"/>
+          </a:p>
+        </p:txBody>
+      </p:sp>
+      <p:cxnSp>
+        <p:nvCxnSpPr>
+          <p:cNvPr id="197" name="Elbow Connector 196"/>
+          <p:cNvCxnSpPr>
+            <a:stCxn id="77" idx="1"/>
+            <a:endCxn id="195" idx="2"/>
+          </p:cNvCxnSpPr>
+          <p:nvPr/>
+        </p:nvCxnSpPr>
+        <p:spPr>
+          <a:xfrm rot="10800000">
+            <a:off x="2725213" y="5034233"/>
+            <a:ext cx="508412" cy="796967"/>
+          </a:xfrm>
+          <a:prstGeom prst="bentConnector2">
+            <a:avLst/>
+          </a:prstGeom>
+          <a:ln w="38100">
+            <a:tailEnd type="triangle"/>
+          </a:ln>
+        </p:spPr>
+        <p:style>
+          <a:lnRef idx="1">
+            <a:schemeClr val="accent1"/>
+          </a:lnRef>
+          <a:fillRef idx="0">
+            <a:schemeClr val="accent1"/>
+          </a:fillRef>
+          <a:effectRef idx="0">
+            <a:schemeClr val="accent1"/>
+          </a:effectRef>
+          <a:fontRef idx="minor">
+            <a:schemeClr val="tx1"/>
+          </a:fontRef>
+        </p:style>
+      </p:cxnSp>
+      <p:cxnSp>
+        <p:nvCxnSpPr>
+          <p:cNvPr id="199" name="Elbow Connector 198"/>
+          <p:cNvCxnSpPr>
+            <a:stCxn id="195" idx="0"/>
+            <a:endCxn id="11" idx="2"/>
+          </p:cNvCxnSpPr>
+          <p:nvPr/>
+        </p:nvCxnSpPr>
+        <p:spPr>
+          <a:xfrm rot="5400000" flipH="1" flipV="1">
+            <a:off x="2734121" y="3420851"/>
+            <a:ext cx="1030946" cy="1048763"/>
+          </a:xfrm>
+          <a:prstGeom prst="bentConnector2">
+            <a:avLst/>
+          </a:prstGeom>
+          <a:ln w="38100">
+            <a:tailEnd type="triangle"/>
+          </a:ln>
+        </p:spPr>
+        <p:style>
+          <a:lnRef idx="1">
+            <a:schemeClr val="accent1"/>
+          </a:lnRef>
+          <a:fillRef idx="0">
+            <a:schemeClr val="accent1"/>
+          </a:fillRef>
+          <a:effectRef idx="0">
+            <a:schemeClr val="accent1"/>
+          </a:effectRef>
+          <a:fontRef idx="minor">
+            <a:schemeClr val="tx1"/>
+          </a:fontRef>
+        </p:style>
+      </p:cxnSp>
+      <p:cxnSp>
+        <p:nvCxnSpPr>
+          <p:cNvPr id="213" name="Elbow Connector 212"/>
+          <p:cNvCxnSpPr>
+            <a:stCxn id="77" idx="2"/>
+            <a:endCxn id="161" idx="1"/>
+          </p:cNvCxnSpPr>
+          <p:nvPr/>
+        </p:nvCxnSpPr>
+        <p:spPr>
+          <a:xfrm rot="16200000" flipH="1">
+            <a:off x="5759349" y="4905879"/>
+            <a:ext cx="78970" cy="2769555"/>
+          </a:xfrm>
+          <a:prstGeom prst="bentConnector2">
+            <a:avLst/>
+          </a:prstGeom>
+          <a:ln w="38100">
+            <a:tailEnd type="triangle"/>
+          </a:ln>
+        </p:spPr>
+        <p:style>
+          <a:lnRef idx="1">
+            <a:schemeClr val="accent1"/>
+          </a:lnRef>
+          <a:fillRef idx="0">
+            <a:schemeClr val="accent1"/>
+          </a:fillRef>
+          <a:effectRef idx="0">
+            <a:schemeClr val="accent1"/>
+          </a:effectRef>
+          <a:fontRef idx="minor">
+            <a:schemeClr val="tx1"/>
+          </a:fontRef>
+        </p:style>
+      </p:cxnSp>
+      <p:sp>
+        <p:nvSpPr>
+          <p:cNvPr id="223" name="Rounded Rectangle 222"/>
+          <p:cNvSpPr/>
+          <p:nvPr/>
+        </p:nvSpPr>
+        <p:spPr>
+          <a:xfrm>
+            <a:off x="9654276" y="5943600"/>
+            <a:ext cx="1338816" cy="475362"/>
+          </a:xfrm>
+          <a:prstGeom prst="roundRect">
+            <a:avLst/>
+          </a:prstGeom>
+        </p:spPr>
+        <p:style>
+          <a:lnRef idx="2">
+            <a:schemeClr val="accent1">
+              <a:shade val="50000"/>
+            </a:schemeClr>
+          </a:lnRef>
+          <a:fillRef idx="1">
+            <a:schemeClr val="accent1"/>
+          </a:fillRef>
+          <a:effectRef idx="0">
+            <a:schemeClr val="accent1"/>
+          </a:effectRef>
+          <a:fontRef idx="minor">
+            <a:schemeClr val="lt1"/>
+          </a:fontRef>
+        </p:style>
+        <p:txBody>
+          <a:bodyPr rtlCol="0" anchor="ctr"/>
+          <a:lstStyle/>
+          <a:p>
+            <a:pPr algn="ctr"/>
+            <a:r>
+              <a:rPr lang="en-US" dirty="0"/>
+              <a:t>Get street name</a:t>
+            </a:r>
+            <a:endParaRPr lang="en-US" dirty="0"/>
+          </a:p>
+        </p:txBody>
+      </p:sp>
+      <p:cxnSp>
+        <p:nvCxnSpPr>
+          <p:cNvPr id="247" name="Elbow Connector 246"/>
+          <p:cNvCxnSpPr>
+            <a:stCxn id="167" idx="3"/>
+            <a:endCxn id="265" idx="1"/>
+          </p:cNvCxnSpPr>
+          <p:nvPr/>
+        </p:nvCxnSpPr>
+        <p:spPr>
+          <a:xfrm flipV="1">
+            <a:off x="7664974" y="4390949"/>
+            <a:ext cx="711764" cy="362289"/>
+          </a:xfrm>
+          <a:prstGeom prst="bentConnector3">
+            <a:avLst>
+              <a:gd name="adj1" fmla="val 50000"/>
+            </a:avLst>
+          </a:prstGeom>
+          <a:ln w="38100">
+            <a:tailEnd type="triangle"/>
+          </a:ln>
+        </p:spPr>
+        <p:style>
+          <a:lnRef idx="1">
+            <a:schemeClr val="accent1"/>
+          </a:lnRef>
+          <a:fillRef idx="0">
+            <a:schemeClr val="accent1"/>
+          </a:fillRef>
+          <a:effectRef idx="0">
+            <a:schemeClr val="accent1"/>
+          </a:effectRef>
+          <a:fontRef idx="minor">
+            <a:schemeClr val="tx1"/>
+          </a:fontRef>
+        </p:style>
+      </p:cxnSp>
+      <p:cxnSp>
+        <p:nvCxnSpPr>
+          <p:cNvPr id="257" name="Elbow Connector 256"/>
+          <p:cNvCxnSpPr>
+            <a:stCxn id="161" idx="3"/>
+            <a:endCxn id="223" idx="1"/>
+          </p:cNvCxnSpPr>
+          <p:nvPr/>
+        </p:nvCxnSpPr>
+        <p:spPr>
+          <a:xfrm flipV="1">
+            <a:off x="9084987" y="6181281"/>
+            <a:ext cx="569289" cy="148861"/>
+          </a:xfrm>
+          <a:prstGeom prst="bentConnector3">
+            <a:avLst/>
+          </a:prstGeom>
+          <a:ln w="38100">
+            <a:tailEnd type="triangle"/>
+          </a:ln>
+        </p:spPr>
+        <p:style>
+          <a:lnRef idx="1">
+            <a:schemeClr val="accent1"/>
+          </a:lnRef>
+          <a:fillRef idx="0">
+            <a:schemeClr val="accent1"/>
+          </a:fillRef>
+          <a:effectRef idx="0">
+            <a:schemeClr val="accent1"/>
+          </a:effectRef>
+          <a:fontRef idx="minor">
+            <a:schemeClr val="tx1"/>
+          </a:fontRef>
+        </p:style>
+      </p:cxnSp>
+      <p:cxnSp>
+        <p:nvCxnSpPr>
+          <p:cNvPr id="259" name="Elbow Connector 258"/>
+          <p:cNvCxnSpPr>
+            <a:stCxn id="161" idx="0"/>
+            <a:endCxn id="265" idx="2"/>
+          </p:cNvCxnSpPr>
+          <p:nvPr/>
+        </p:nvCxnSpPr>
+        <p:spPr>
+          <a:xfrm rot="5400000" flipH="1" flipV="1">
+            <a:off x="8028499" y="4783513"/>
+            <a:ext cx="1265888" cy="1054287"/>
+          </a:xfrm>
+          <a:prstGeom prst="bentConnector3">
+            <a:avLst/>
+          </a:prstGeom>
+          <a:ln w="38100">
+            <a:tailEnd type="triangle"/>
+          </a:ln>
+        </p:spPr>
+        <p:style>
+          <a:lnRef idx="1">
+            <a:schemeClr val="accent1"/>
+          </a:lnRef>
+          <a:fillRef idx="0">
+            <a:schemeClr val="accent1"/>
+          </a:fillRef>
+          <a:effectRef idx="0">
+            <a:schemeClr val="accent1"/>
+          </a:effectRef>
+          <a:fontRef idx="minor">
+            <a:schemeClr val="tx1"/>
+          </a:fontRef>
+        </p:style>
+      </p:cxnSp>
+      <p:cxnSp>
+        <p:nvCxnSpPr>
+          <p:cNvPr id="261" name="Elbow Connector 260"/>
+          <p:cNvCxnSpPr>
+            <a:stCxn id="223" idx="0"/>
+            <a:endCxn id="265" idx="3"/>
+          </p:cNvCxnSpPr>
+          <p:nvPr/>
+        </p:nvCxnSpPr>
+        <p:spPr>
+          <a:xfrm rot="16200000" flipV="1">
+            <a:off x="9385735" y="5005650"/>
+            <a:ext cx="1552651" cy="323249"/>
+          </a:xfrm>
+          <a:prstGeom prst="bentConnector2">
+            <a:avLst/>
+          </a:prstGeom>
+          <a:ln w="38100">
+            <a:tailEnd type="triangle"/>
+          </a:ln>
+        </p:spPr>
+        <p:style>
+          <a:lnRef idx="1">
+            <a:schemeClr val="accent1"/>
+          </a:lnRef>
+          <a:fillRef idx="0">
+            <a:schemeClr val="accent1"/>
+          </a:fillRef>
+          <a:effectRef idx="0">
+            <a:schemeClr val="accent1"/>
+          </a:effectRef>
+          <a:fontRef idx="minor">
+            <a:schemeClr val="tx1"/>
+          </a:fontRef>
+        </p:style>
+      </p:cxnSp>
+      <p:sp>
+        <p:nvSpPr>
+          <p:cNvPr id="265" name="Rounded Rectangle 264"/>
+          <p:cNvSpPr/>
+          <p:nvPr/>
+        </p:nvSpPr>
+        <p:spPr>
+          <a:xfrm>
+            <a:off x="8376738" y="4104185"/>
+            <a:ext cx="1623697" cy="573527"/>
+          </a:xfrm>
+          <a:prstGeom prst="roundRect">
+            <a:avLst/>
+          </a:prstGeom>
+        </p:spPr>
+        <p:style>
+          <a:lnRef idx="2">
+            <a:schemeClr val="accent1">
+              <a:shade val="50000"/>
+            </a:schemeClr>
+          </a:lnRef>
+          <a:fillRef idx="1">
+            <a:schemeClr val="accent1"/>
+          </a:fillRef>
+          <a:effectRef idx="0">
+            <a:schemeClr val="accent1"/>
+          </a:effectRef>
+          <a:fontRef idx="minor">
+            <a:schemeClr val="lt1"/>
+          </a:fontRef>
+        </p:style>
+        <p:txBody>
+          <a:bodyPr rtlCol="0" anchor="ctr"/>
+          <a:lstStyle/>
+          <a:p>
+            <a:pPr algn="ctr"/>
+            <a:r>
+              <a:rPr lang="en-US" dirty="0" smtClean="0"/>
+              <a:t>Generated pay fee request</a:t>
+            </a:r>
+            <a:endParaRPr lang="en-US" dirty="0"/>
+          </a:p>
+        </p:txBody>
+      </p:sp>
+      <p:cxnSp>
+        <p:nvCxnSpPr>
+          <p:cNvPr id="273" name="Elbow Connector 272"/>
+          <p:cNvCxnSpPr>
+            <a:stCxn id="265" idx="0"/>
+            <a:endCxn id="11" idx="5"/>
+          </p:cNvCxnSpPr>
+          <p:nvPr/>
+        </p:nvCxnSpPr>
+        <p:spPr>
+          <a:xfrm rot="16200000" flipV="1">
+            <a:off x="6865551" y="1781149"/>
+            <a:ext cx="324149" cy="4321924"/>
+          </a:xfrm>
+          <a:prstGeom prst="bentConnector3">
+            <a:avLst>
+              <a:gd name="adj1" fmla="val 101290"/>
+            </a:avLst>
+          </a:prstGeom>
+          <a:ln w="38100">
+            <a:tailEnd type="triangle"/>
+          </a:ln>
+        </p:spPr>
+        <p:style>
+          <a:lnRef idx="1">
+            <a:schemeClr val="accent1"/>
+          </a:lnRef>
+          <a:fillRef idx="0">
+            <a:schemeClr val="accent1"/>
+          </a:fillRef>
+          <a:effectRef idx="0">
+            <a:schemeClr val="accent1"/>
+          </a:effectRef>
+          <a:fontRef idx="minor">
+            <a:schemeClr val="tx1"/>
+          </a:fontRef>
+        </p:style>
+      </p:cxnSp>
+      <p:sp>
+        <p:nvSpPr>
+          <p:cNvPr id="281" name="Rounded Rectangle 280"/>
+          <p:cNvSpPr/>
+          <p:nvPr/>
+        </p:nvSpPr>
+        <p:spPr>
+          <a:xfrm>
+            <a:off x="8310347" y="2784405"/>
+            <a:ext cx="1756478" cy="573527"/>
+          </a:xfrm>
+          <a:prstGeom prst="roundRect">
+            <a:avLst/>
+          </a:prstGeom>
+        </p:spPr>
+        <p:style>
+          <a:lnRef idx="2">
+            <a:schemeClr val="accent1">
+              <a:shade val="50000"/>
+            </a:schemeClr>
+          </a:lnRef>
+          <a:fillRef idx="1">
+            <a:schemeClr val="accent1"/>
+          </a:fillRef>
+          <a:effectRef idx="0">
+            <a:schemeClr val="accent1"/>
+          </a:effectRef>
+          <a:fontRef idx="minor">
+            <a:schemeClr val="lt1"/>
+          </a:fontRef>
+        </p:style>
+        <p:txBody>
+          <a:bodyPr rtlCol="0" anchor="ctr"/>
+          <a:lstStyle/>
+          <a:p>
+            <a:pPr algn="ctr"/>
+            <a:r>
+              <a:rPr lang="en-US" dirty="0" smtClean="0"/>
+              <a:t>Send request to central server</a:t>
+            </a:r>
+            <a:endParaRPr lang="en-US" dirty="0"/>
+          </a:p>
+        </p:txBody>
+      </p:sp>
+      <p:cxnSp>
+        <p:nvCxnSpPr>
+          <p:cNvPr id="283" name="Elbow Connector 282"/>
+          <p:cNvCxnSpPr>
+            <a:stCxn id="265" idx="0"/>
+            <a:endCxn id="281" idx="2"/>
+          </p:cNvCxnSpPr>
+          <p:nvPr/>
+        </p:nvCxnSpPr>
+        <p:spPr>
+          <a:xfrm rot="16200000" flipV="1">
+            <a:off x="8815461" y="3731058"/>
+            <a:ext cx="746253" cy="1"/>
+          </a:xfrm>
+          <a:prstGeom prst="bentConnector3">
+            <a:avLst/>
+          </a:prstGeom>
+          <a:ln w="38100">
+            <a:tailEnd type="triangle"/>
+          </a:ln>
+        </p:spPr>
+        <p:style>
+          <a:lnRef idx="1">
+            <a:schemeClr val="accent1"/>
+          </a:lnRef>
+          <a:fillRef idx="0">
+            <a:schemeClr val="accent1"/>
+          </a:fillRef>
+          <a:effectRef idx="0">
+            <a:schemeClr val="accent1"/>
+          </a:effectRef>
+          <a:fontRef idx="minor">
+            <a:schemeClr val="tx1"/>
+          </a:fontRef>
+        </p:style>
+      </p:cxnSp>
+      <p:sp>
+        <p:nvSpPr>
+          <p:cNvPr id="285" name="Oval 284"/>
+          <p:cNvSpPr/>
+          <p:nvPr/>
+        </p:nvSpPr>
+        <p:spPr>
+          <a:xfrm>
+            <a:off x="8259071" y="1697807"/>
+            <a:ext cx="1859030" cy="819516"/>
+          </a:xfrm>
+          <a:prstGeom prst="ellipse">
+            <a:avLst/>
+          </a:prstGeom>
+        </p:spPr>
+        <p:style>
+          <a:lnRef idx="2">
+            <a:schemeClr val="accent1">
+              <a:shade val="50000"/>
+            </a:schemeClr>
+          </a:lnRef>
+          <a:fillRef idx="1">
+            <a:schemeClr val="accent1"/>
+          </a:fillRef>
+          <a:effectRef idx="0">
+            <a:schemeClr val="accent1"/>
+          </a:effectRef>
+          <a:fontRef idx="minor">
+            <a:schemeClr val="lt1"/>
+          </a:fontRef>
+        </p:style>
+        <p:txBody>
+          <a:bodyPr rtlCol="0" anchor="ctr"/>
+          <a:lstStyle/>
+          <a:p>
+            <a:pPr algn="ctr"/>
+            <a:r>
+              <a:rPr lang="en-US" dirty="0" smtClean="0"/>
+              <a:t>Waiting for pay fee response</a:t>
+            </a:r>
+            <a:endParaRPr lang="en-US" dirty="0"/>
+          </a:p>
+        </p:txBody>
+      </p:sp>
+      <p:cxnSp>
+        <p:nvCxnSpPr>
+          <p:cNvPr id="287" name="Elbow Connector 286"/>
+          <p:cNvCxnSpPr>
+            <a:stCxn id="281" idx="0"/>
+            <a:endCxn id="285" idx="4"/>
+          </p:cNvCxnSpPr>
+          <p:nvPr/>
+        </p:nvCxnSpPr>
+        <p:spPr>
+          <a:xfrm rot="5400000" flipH="1" flipV="1">
+            <a:off x="9055045" y="2650864"/>
+            <a:ext cx="267082" cy="12700"/>
+          </a:xfrm>
+          <a:prstGeom prst="bentConnector3">
+            <a:avLst/>
+          </a:prstGeom>
+          <a:ln w="38100">
+            <a:tailEnd type="triangle"/>
+          </a:ln>
+        </p:spPr>
+        <p:style>
+          <a:lnRef idx="1">
+            <a:schemeClr val="accent1"/>
+          </a:lnRef>
+          <a:fillRef idx="0">
+            <a:schemeClr val="accent1"/>
+          </a:fillRef>
+          <a:effectRef idx="0">
+            <a:schemeClr val="accent1"/>
+          </a:effectRef>
+          <a:fontRef idx="minor">
+            <a:schemeClr val="tx1"/>
+          </a:fontRef>
+        </p:style>
+      </p:cxnSp>
+      <p:cxnSp>
+        <p:nvCxnSpPr>
+          <p:cNvPr id="299" name="Curved Connector 298"/>
+          <p:cNvCxnSpPr>
+            <a:stCxn id="285" idx="6"/>
+            <a:endCxn id="285" idx="7"/>
+          </p:cNvCxnSpPr>
+          <p:nvPr/>
+        </p:nvCxnSpPr>
+        <p:spPr>
+          <a:xfrm flipH="1" flipV="1">
+            <a:off x="9845852" y="1817822"/>
+            <a:ext cx="272249" cy="289743"/>
+          </a:xfrm>
+          <a:prstGeom prst="curvedConnector4">
+            <a:avLst>
+              <a:gd name="adj1" fmla="val -83967"/>
+              <a:gd name="adj2" fmla="val 162939"/>
+            </a:avLst>
+          </a:prstGeom>
+          <a:ln w="38100">
+            <a:tailEnd type="triangle"/>
+          </a:ln>
+        </p:spPr>
+        <p:style>
+          <a:lnRef idx="1">
+            <a:schemeClr val="accent1"/>
+          </a:lnRef>
+          <a:fillRef idx="0">
+            <a:schemeClr val="accent1"/>
+          </a:fillRef>
+          <a:effectRef idx="0">
+            <a:schemeClr val="accent1"/>
+          </a:effectRef>
+          <a:fontRef idx="minor">
+            <a:schemeClr val="tx1"/>
+          </a:fontRef>
+        </p:style>
+      </p:cxnSp>
+      <p:cxnSp>
+        <p:nvCxnSpPr>
+          <p:cNvPr id="302" name="Elbow Connector 301"/>
+          <p:cNvCxnSpPr>
+            <a:stCxn id="285" idx="6"/>
+            <a:endCxn id="265" idx="3"/>
+          </p:cNvCxnSpPr>
+          <p:nvPr/>
+        </p:nvCxnSpPr>
+        <p:spPr>
+          <a:xfrm flipH="1">
+            <a:off x="10000435" y="2107565"/>
+            <a:ext cx="117666" cy="2283384"/>
+          </a:xfrm>
+          <a:prstGeom prst="bentConnector3">
+            <a:avLst>
+              <a:gd name="adj1" fmla="val -505125"/>
+            </a:avLst>
+          </a:prstGeom>
+          <a:ln w="38100">
+            <a:tailEnd type="triangle"/>
+          </a:ln>
+        </p:spPr>
+        <p:style>
+          <a:lnRef idx="1">
+            <a:schemeClr val="accent1"/>
+          </a:lnRef>
+          <a:fillRef idx="0">
+            <a:schemeClr val="accent1"/>
+          </a:fillRef>
+          <a:effectRef idx="0">
+            <a:schemeClr val="accent1"/>
+          </a:effectRef>
+          <a:fontRef idx="minor">
+            <a:schemeClr val="tx1"/>
+          </a:fontRef>
+        </p:style>
+      </p:cxnSp>
+      <p:sp>
+        <p:nvSpPr>
+          <p:cNvPr id="311" name="Rounded Rectangle 310"/>
+          <p:cNvSpPr/>
+          <p:nvPr/>
+        </p:nvSpPr>
+        <p:spPr>
+          <a:xfrm>
+            <a:off x="8027923" y="415501"/>
+            <a:ext cx="2334026" cy="674560"/>
+          </a:xfrm>
+          <a:prstGeom prst="roundRect">
+            <a:avLst/>
+          </a:prstGeom>
+        </p:spPr>
+        <p:style>
+          <a:lnRef idx="2">
+            <a:schemeClr val="accent1">
+              <a:shade val="50000"/>
+            </a:schemeClr>
+          </a:lnRef>
+          <a:fillRef idx="1">
+            <a:schemeClr val="accent1"/>
+          </a:fillRef>
+          <a:effectRef idx="0">
+            <a:schemeClr val="accent1"/>
+          </a:effectRef>
+          <a:fontRef idx="minor">
+            <a:schemeClr val="lt1"/>
+          </a:fontRef>
+        </p:style>
+        <p:txBody>
+          <a:bodyPr rtlCol="0" anchor="ctr"/>
+          <a:lstStyle/>
+          <a:p>
+            <a:pPr algn="ctr"/>
+            <a:r>
+              <a:rPr lang="en-US" dirty="0" smtClean="0"/>
+              <a:t>Set old 2</a:t>
+            </a:r>
+            <a:r>
+              <a:rPr lang="en-US" baseline="30000" dirty="0" smtClean="0"/>
+              <a:t>nd</a:t>
+            </a:r>
+            <a:r>
+              <a:rPr lang="en-US" dirty="0" smtClean="0"/>
+              <a:t> coordinate as new 1</a:t>
+            </a:r>
+            <a:r>
+              <a:rPr lang="en-US" baseline="30000" dirty="0" smtClean="0"/>
+              <a:t>st</a:t>
+            </a:r>
+            <a:r>
+              <a:rPr lang="en-US" dirty="0" smtClean="0"/>
+              <a:t> coordinate</a:t>
+            </a:r>
+            <a:endParaRPr lang="en-US" dirty="0"/>
+          </a:p>
+        </p:txBody>
+      </p:sp>
+      <p:cxnSp>
+        <p:nvCxnSpPr>
+          <p:cNvPr id="313" name="Straight Arrow Connector 312"/>
+          <p:cNvCxnSpPr>
+            <a:stCxn id="285" idx="0"/>
+            <a:endCxn id="311" idx="2"/>
+          </p:cNvCxnSpPr>
+          <p:nvPr/>
+        </p:nvCxnSpPr>
+        <p:spPr>
+          <a:xfrm flipV="1">
+            <a:off x="9188586" y="1090061"/>
+            <a:ext cx="6350" cy="607746"/>
+          </a:xfrm>
+          <a:prstGeom prst="straightConnector1">
+            <a:avLst/>
+          </a:prstGeom>
+          <a:ln w="38100">
+            <a:tailEnd type="triangle"/>
+          </a:ln>
+        </p:spPr>
+        <p:style>
+          <a:lnRef idx="1">
+            <a:schemeClr val="accent1"/>
+          </a:lnRef>
+          <a:fillRef idx="0">
+            <a:schemeClr val="accent1"/>
+          </a:fillRef>
+          <a:effectRef idx="0">
+            <a:schemeClr val="accent1"/>
+          </a:effectRef>
+          <a:fontRef idx="minor">
+            <a:schemeClr val="tx1"/>
+          </a:fontRef>
+        </p:style>
+      </p:cxnSp>
+      <p:sp>
+        <p:nvSpPr>
+          <p:cNvPr id="314" name="TextBox 313"/>
+          <p:cNvSpPr txBox="1"/>
+          <p:nvPr/>
+        </p:nvSpPr>
+        <p:spPr>
+          <a:xfrm>
+            <a:off x="5096671" y="2961702"/>
+            <a:ext cx="762966" cy="276999"/>
+          </a:xfrm>
+          <a:prstGeom prst="rect">
+            <a:avLst/>
+          </a:prstGeom>
+          <a:noFill/>
+        </p:spPr>
+        <p:txBody>
+          <a:bodyPr wrap="none" rtlCol="0">
+            <a:spAutoFit/>
+          </a:bodyPr>
+          <a:lstStyle/>
+          <a:p>
+            <a:r>
+              <a:rPr lang="en-US" sz="1200" b="1" dirty="0" smtClean="0"/>
+              <a:t>No event</a:t>
+            </a:r>
+            <a:endParaRPr lang="en-US" sz="1200" b="1" dirty="0"/>
+          </a:p>
+        </p:txBody>
+      </p:sp>
+      <p:sp>
+        <p:nvSpPr>
+          <p:cNvPr id="315" name="TextBox 314"/>
+          <p:cNvSpPr txBox="1"/>
+          <p:nvPr/>
+        </p:nvSpPr>
+        <p:spPr>
+          <a:xfrm>
+            <a:off x="4016329" y="4001866"/>
+            <a:ext cx="871201" cy="276999"/>
+          </a:xfrm>
+          <a:prstGeom prst="rect">
+            <a:avLst/>
+          </a:prstGeom>
+          <a:noFill/>
+        </p:spPr>
+        <p:txBody>
+          <a:bodyPr wrap="none" rtlCol="0">
+            <a:spAutoFit/>
+          </a:bodyPr>
+          <a:lstStyle/>
+          <a:p>
+            <a:r>
+              <a:rPr lang="en-US" sz="1200" b="1" dirty="0" smtClean="0"/>
+              <a:t>New event</a:t>
+            </a:r>
+            <a:endParaRPr lang="en-US" sz="1200" b="1" dirty="0"/>
+          </a:p>
+        </p:txBody>
+      </p:sp>
+      <p:sp>
+        <p:nvSpPr>
+          <p:cNvPr id="316" name="TextBox 315"/>
+          <p:cNvSpPr txBox="1"/>
+          <p:nvPr/>
+        </p:nvSpPr>
+        <p:spPr>
+          <a:xfrm>
+            <a:off x="10059268" y="1643191"/>
+            <a:ext cx="982833" cy="276999"/>
+          </a:xfrm>
+          <a:prstGeom prst="rect">
+            <a:avLst/>
+          </a:prstGeom>
+          <a:noFill/>
+        </p:spPr>
+        <p:txBody>
+          <a:bodyPr wrap="none" rtlCol="0">
+            <a:spAutoFit/>
+          </a:bodyPr>
+          <a:lstStyle/>
+          <a:p>
+            <a:r>
+              <a:rPr lang="en-US" sz="1200" b="1" dirty="0" smtClean="0"/>
+              <a:t>No response</a:t>
+            </a:r>
+            <a:endParaRPr lang="en-US" sz="1200" b="1" dirty="0"/>
+          </a:p>
+        </p:txBody>
+      </p:sp>
+      <p:sp>
+        <p:nvSpPr>
+          <p:cNvPr id="318" name="TextBox 317"/>
+          <p:cNvSpPr txBox="1"/>
+          <p:nvPr/>
+        </p:nvSpPr>
+        <p:spPr>
+          <a:xfrm rot="5400000">
+            <a:off x="10174342" y="3326156"/>
+            <a:ext cx="1360501" cy="276999"/>
+          </a:xfrm>
+          <a:prstGeom prst="rect">
+            <a:avLst/>
+          </a:prstGeom>
+          <a:noFill/>
+        </p:spPr>
+        <p:txBody>
+          <a:bodyPr wrap="none" rtlCol="0">
+            <a:spAutoFit/>
+          </a:bodyPr>
+          <a:lstStyle/>
+          <a:p>
+            <a:r>
+              <a:rPr lang="en-US" sz="1200" b="1" dirty="0" smtClean="0"/>
+              <a:t>Negative response</a:t>
+            </a:r>
+            <a:endParaRPr lang="en-US" sz="1200" b="1" dirty="0"/>
+          </a:p>
+        </p:txBody>
+      </p:sp>
+      <p:sp>
+        <p:nvSpPr>
+          <p:cNvPr id="320" name="TextBox 319"/>
+          <p:cNvSpPr txBox="1"/>
+          <p:nvPr/>
+        </p:nvSpPr>
+        <p:spPr>
+          <a:xfrm>
+            <a:off x="8532474" y="1250267"/>
+            <a:ext cx="1299523" cy="276999"/>
+          </a:xfrm>
+          <a:prstGeom prst="rect">
+            <a:avLst/>
+          </a:prstGeom>
+          <a:noFill/>
+        </p:spPr>
+        <p:txBody>
+          <a:bodyPr wrap="none" rtlCol="0">
+            <a:spAutoFit/>
+          </a:bodyPr>
+          <a:lstStyle/>
+          <a:p>
+            <a:r>
+              <a:rPr lang="en-US" sz="1200" b="1" dirty="0" smtClean="0"/>
+              <a:t>Positive response</a:t>
+            </a:r>
+            <a:endParaRPr lang="en-US" sz="1200" b="1" dirty="0"/>
+          </a:p>
+        </p:txBody>
+      </p:sp>
+      <p:sp>
+        <p:nvSpPr>
+          <p:cNvPr id="321" name="TextBox 320"/>
+          <p:cNvSpPr txBox="1"/>
+          <p:nvPr/>
+        </p:nvSpPr>
+        <p:spPr>
+          <a:xfrm>
+            <a:off x="5159406" y="6310280"/>
+            <a:ext cx="1557734" cy="276999"/>
+          </a:xfrm>
+          <a:prstGeom prst="rect">
+            <a:avLst/>
+          </a:prstGeom>
+          <a:noFill/>
+        </p:spPr>
+        <p:txBody>
+          <a:bodyPr wrap="none" rtlCol="0">
+            <a:spAutoFit/>
+          </a:bodyPr>
+          <a:lstStyle/>
+          <a:p>
+            <a:r>
+              <a:rPr lang="en-US" sz="1200" b="1" dirty="0" smtClean="0"/>
+              <a:t>Different street name</a:t>
+            </a:r>
+            <a:endParaRPr lang="en-US" sz="1200" b="1" dirty="0"/>
+          </a:p>
+        </p:txBody>
+      </p:sp>
+      <p:sp>
+        <p:nvSpPr>
+          <p:cNvPr id="339" name="TextBox 338"/>
+          <p:cNvSpPr txBox="1"/>
+          <p:nvPr/>
+        </p:nvSpPr>
+        <p:spPr>
+          <a:xfrm>
+            <a:off x="5620183" y="5557058"/>
+            <a:ext cx="2044791" cy="276999"/>
+          </a:xfrm>
+          <a:prstGeom prst="rect">
+            <a:avLst/>
+          </a:prstGeom>
+          <a:noFill/>
+        </p:spPr>
+        <p:txBody>
+          <a:bodyPr wrap="none" rtlCol="0">
+            <a:spAutoFit/>
+          </a:bodyPr>
+          <a:lstStyle/>
+          <a:p>
+            <a:r>
+              <a:rPr lang="en-US" sz="1200" b="1" dirty="0" smtClean="0"/>
+              <a:t>Right after driver registration</a:t>
+            </a:r>
+            <a:endParaRPr lang="en-US" sz="1200" b="1" dirty="0"/>
+          </a:p>
+        </p:txBody>
+      </p:sp>
+      <p:sp>
+        <p:nvSpPr>
+          <p:cNvPr id="340" name="TextBox 339"/>
+          <p:cNvSpPr txBox="1"/>
+          <p:nvPr/>
+        </p:nvSpPr>
+        <p:spPr>
+          <a:xfrm>
+            <a:off x="1925067" y="5831199"/>
+            <a:ext cx="1335943" cy="276999"/>
+          </a:xfrm>
+          <a:prstGeom prst="rect">
+            <a:avLst/>
+          </a:prstGeom>
+          <a:noFill/>
+        </p:spPr>
+        <p:txBody>
+          <a:bodyPr wrap="none" rtlCol="0">
+            <a:spAutoFit/>
+          </a:bodyPr>
+          <a:lstStyle/>
+          <a:p>
+            <a:r>
+              <a:rPr lang="en-US" sz="1200" b="1" dirty="0" smtClean="0"/>
+              <a:t>Same street name</a:t>
+            </a:r>
+            <a:endParaRPr lang="en-US" sz="1200" b="1" dirty="0"/>
+          </a:p>
+        </p:txBody>
+      </p:sp>
+      <p:sp>
+        <p:nvSpPr>
+          <p:cNvPr id="341" name="TextBox 340"/>
+          <p:cNvSpPr txBox="1"/>
+          <p:nvPr/>
+        </p:nvSpPr>
+        <p:spPr>
+          <a:xfrm>
+            <a:off x="5159667" y="540868"/>
+            <a:ext cx="1570495" cy="276999"/>
+          </a:xfrm>
+          <a:prstGeom prst="rect">
+            <a:avLst/>
+          </a:prstGeom>
+          <a:noFill/>
+        </p:spPr>
+        <p:txBody>
+          <a:bodyPr wrap="none" rtlCol="0">
+            <a:spAutoFit/>
+          </a:bodyPr>
+          <a:lstStyle/>
+          <a:p>
+            <a:r>
+              <a:rPr lang="en-US" sz="1200" b="1" dirty="0" smtClean="0"/>
+              <a:t>Registration not done</a:t>
+            </a:r>
+            <a:endParaRPr lang="en-US" sz="1200" b="1" dirty="0"/>
+          </a:p>
+        </p:txBody>
+      </p:sp>
+      <p:sp>
+        <p:nvSpPr>
+          <p:cNvPr id="347" name="TextBox 346"/>
+          <p:cNvSpPr txBox="1"/>
+          <p:nvPr/>
+        </p:nvSpPr>
+        <p:spPr>
+          <a:xfrm>
+            <a:off x="3536898" y="1458726"/>
+            <a:ext cx="1628523" cy="276999"/>
+          </a:xfrm>
+          <a:prstGeom prst="rect">
+            <a:avLst/>
+          </a:prstGeom>
+          <a:noFill/>
+        </p:spPr>
+        <p:txBody>
+          <a:bodyPr wrap="none" rtlCol="0">
+            <a:spAutoFit/>
+          </a:bodyPr>
+          <a:lstStyle/>
+          <a:p>
+            <a:r>
+              <a:rPr lang="en-US" sz="1200" b="1" dirty="0" smtClean="0"/>
+              <a:t>Registration successful</a:t>
+            </a:r>
+            <a:endParaRPr lang="en-US" sz="1200" b="1" dirty="0"/>
+          </a:p>
+        </p:txBody>
+      </p:sp>
+    </p:spTree>
+    <p:extLst>
+      <p:ext uri="{BB962C8B-B14F-4D97-AF65-F5344CB8AC3E}">
+        <p14:creationId xmlns:p14="http://schemas.microsoft.com/office/powerpoint/2010/main" val="3895448628"/>
       </p:ext>
     </p:extLst>
   </p:cSld>
